--- a/analyses/figures/zarchive/methods_graphic.pptx
+++ b/analyses/figures/zarchive/methods_graphic.pptx
@@ -260,7 +260,7 @@
           <a:p>
             <a:fld id="{1181251C-4CE6-7E4F-AA1B-7F251BD1720E}" type="datetimeFigureOut">
               <a:rPr lang="en-US" smtClean="0"/>
-              <a:t>11/19/24</a:t>
+              <a:t>2/3/26</a:t>
             </a:fld>
             <a:endParaRPr lang="en-US"/>
           </a:p>
@@ -458,7 +458,7 @@
           <a:p>
             <a:fld id="{1181251C-4CE6-7E4F-AA1B-7F251BD1720E}" type="datetimeFigureOut">
               <a:rPr lang="en-US" smtClean="0"/>
-              <a:t>11/19/24</a:t>
+              <a:t>2/3/26</a:t>
             </a:fld>
             <a:endParaRPr lang="en-US"/>
           </a:p>
@@ -666,7 +666,7 @@
           <a:p>
             <a:fld id="{1181251C-4CE6-7E4F-AA1B-7F251BD1720E}" type="datetimeFigureOut">
               <a:rPr lang="en-US" smtClean="0"/>
-              <a:t>11/19/24</a:t>
+              <a:t>2/3/26</a:t>
             </a:fld>
             <a:endParaRPr lang="en-US"/>
           </a:p>
@@ -886,7 +886,7 @@
           <a:p>
             <a:fld id="{1181251C-4CE6-7E4F-AA1B-7F251BD1720E}" type="datetimeFigureOut">
               <a:rPr lang="en-US" smtClean="0"/>
-              <a:t>11/19/24</a:t>
+              <a:t>2/3/26</a:t>
             </a:fld>
             <a:endParaRPr lang="en-US"/>
           </a:p>
@@ -1084,7 +1084,7 @@
           <a:p>
             <a:fld id="{1181251C-4CE6-7E4F-AA1B-7F251BD1720E}" type="datetimeFigureOut">
               <a:rPr lang="en-US" smtClean="0"/>
-              <a:t>11/19/24</a:t>
+              <a:t>2/3/26</a:t>
             </a:fld>
             <a:endParaRPr lang="en-US"/>
           </a:p>
@@ -1359,7 +1359,7 @@
           <a:p>
             <a:fld id="{1181251C-4CE6-7E4F-AA1B-7F251BD1720E}" type="datetimeFigureOut">
               <a:rPr lang="en-US" smtClean="0"/>
-              <a:t>11/19/24</a:t>
+              <a:t>2/3/26</a:t>
             </a:fld>
             <a:endParaRPr lang="en-US"/>
           </a:p>
@@ -1624,7 +1624,7 @@
           <a:p>
             <a:fld id="{1181251C-4CE6-7E4F-AA1B-7F251BD1720E}" type="datetimeFigureOut">
               <a:rPr lang="en-US" smtClean="0"/>
-              <a:t>11/19/24</a:t>
+              <a:t>2/3/26</a:t>
             </a:fld>
             <a:endParaRPr lang="en-US"/>
           </a:p>
@@ -2036,7 +2036,7 @@
           <a:p>
             <a:fld id="{1181251C-4CE6-7E4F-AA1B-7F251BD1720E}" type="datetimeFigureOut">
               <a:rPr lang="en-US" smtClean="0"/>
-              <a:t>11/19/24</a:t>
+              <a:t>2/3/26</a:t>
             </a:fld>
             <a:endParaRPr lang="en-US"/>
           </a:p>
@@ -2177,7 +2177,7 @@
           <a:p>
             <a:fld id="{1181251C-4CE6-7E4F-AA1B-7F251BD1720E}" type="datetimeFigureOut">
               <a:rPr lang="en-US" smtClean="0"/>
-              <a:t>11/19/24</a:t>
+              <a:t>2/3/26</a:t>
             </a:fld>
             <a:endParaRPr lang="en-US"/>
           </a:p>
@@ -2290,7 +2290,7 @@
           <a:p>
             <a:fld id="{1181251C-4CE6-7E4F-AA1B-7F251BD1720E}" type="datetimeFigureOut">
               <a:rPr lang="en-US" smtClean="0"/>
-              <a:t>11/19/24</a:t>
+              <a:t>2/3/26</a:t>
             </a:fld>
             <a:endParaRPr lang="en-US"/>
           </a:p>
@@ -2601,7 +2601,7 @@
           <a:p>
             <a:fld id="{1181251C-4CE6-7E4F-AA1B-7F251BD1720E}" type="datetimeFigureOut">
               <a:rPr lang="en-US" smtClean="0"/>
-              <a:t>11/19/24</a:t>
+              <a:t>2/3/26</a:t>
             </a:fld>
             <a:endParaRPr lang="en-US"/>
           </a:p>
@@ -2799,7 +2799,7 @@
           <a:p>
             <a:fld id="{1181251C-4CE6-7E4F-AA1B-7F251BD1720E}" type="datetimeFigureOut">
               <a:rPr lang="en-US" smtClean="0"/>
-              <a:t>11/19/24</a:t>
+              <a:t>2/3/26</a:t>
             </a:fld>
             <a:endParaRPr lang="en-US"/>
           </a:p>
@@ -3087,7 +3087,7 @@
           <a:p>
             <a:fld id="{1181251C-4CE6-7E4F-AA1B-7F251BD1720E}" type="datetimeFigureOut">
               <a:rPr lang="en-US" smtClean="0"/>
-              <a:t>11/19/24</a:t>
+              <a:t>2/3/26</a:t>
             </a:fld>
             <a:endParaRPr lang="en-US"/>
           </a:p>
@@ -3285,7 +3285,7 @@
           <a:p>
             <a:fld id="{1181251C-4CE6-7E4F-AA1B-7F251BD1720E}" type="datetimeFigureOut">
               <a:rPr lang="en-US" smtClean="0"/>
-              <a:t>11/19/24</a:t>
+              <a:t>2/3/26</a:t>
             </a:fld>
             <a:endParaRPr lang="en-US"/>
           </a:p>
@@ -3493,7 +3493,7 @@
           <a:p>
             <a:fld id="{1181251C-4CE6-7E4F-AA1B-7F251BD1720E}" type="datetimeFigureOut">
               <a:rPr lang="en-US" smtClean="0"/>
-              <a:t>11/19/24</a:t>
+              <a:t>2/3/26</a:t>
             </a:fld>
             <a:endParaRPr lang="en-US"/>
           </a:p>
@@ -3768,7 +3768,7 @@
           <a:p>
             <a:fld id="{1181251C-4CE6-7E4F-AA1B-7F251BD1720E}" type="datetimeFigureOut">
               <a:rPr lang="en-US" smtClean="0"/>
-              <a:t>11/19/24</a:t>
+              <a:t>2/3/26</a:t>
             </a:fld>
             <a:endParaRPr lang="en-US"/>
           </a:p>
@@ -4033,7 +4033,7 @@
           <a:p>
             <a:fld id="{1181251C-4CE6-7E4F-AA1B-7F251BD1720E}" type="datetimeFigureOut">
               <a:rPr lang="en-US" smtClean="0"/>
-              <a:t>11/19/24</a:t>
+              <a:t>2/3/26</a:t>
             </a:fld>
             <a:endParaRPr lang="en-US"/>
           </a:p>
@@ -4445,7 +4445,7 @@
           <a:p>
             <a:fld id="{1181251C-4CE6-7E4F-AA1B-7F251BD1720E}" type="datetimeFigureOut">
               <a:rPr lang="en-US" smtClean="0"/>
-              <a:t>11/19/24</a:t>
+              <a:t>2/3/26</a:t>
             </a:fld>
             <a:endParaRPr lang="en-US"/>
           </a:p>
@@ -4586,7 +4586,7 @@
           <a:p>
             <a:fld id="{1181251C-4CE6-7E4F-AA1B-7F251BD1720E}" type="datetimeFigureOut">
               <a:rPr lang="en-US" smtClean="0"/>
-              <a:t>11/19/24</a:t>
+              <a:t>2/3/26</a:t>
             </a:fld>
             <a:endParaRPr lang="en-US"/>
           </a:p>
@@ -4699,7 +4699,7 @@
           <a:p>
             <a:fld id="{1181251C-4CE6-7E4F-AA1B-7F251BD1720E}" type="datetimeFigureOut">
               <a:rPr lang="en-US" smtClean="0"/>
-              <a:t>11/19/24</a:t>
+              <a:t>2/3/26</a:t>
             </a:fld>
             <a:endParaRPr lang="en-US"/>
           </a:p>
@@ -5010,7 +5010,7 @@
           <a:p>
             <a:fld id="{1181251C-4CE6-7E4F-AA1B-7F251BD1720E}" type="datetimeFigureOut">
               <a:rPr lang="en-US" smtClean="0"/>
-              <a:t>11/19/24</a:t>
+              <a:t>2/3/26</a:t>
             </a:fld>
             <a:endParaRPr lang="en-US"/>
           </a:p>
@@ -5298,7 +5298,7 @@
           <a:p>
             <a:fld id="{1181251C-4CE6-7E4F-AA1B-7F251BD1720E}" type="datetimeFigureOut">
               <a:rPr lang="en-US" smtClean="0"/>
-              <a:t>11/19/24</a:t>
+              <a:t>2/3/26</a:t>
             </a:fld>
             <a:endParaRPr lang="en-US"/>
           </a:p>
@@ -5539,7 +5539,7 @@
           <a:p>
             <a:fld id="{1181251C-4CE6-7E4F-AA1B-7F251BD1720E}" type="datetimeFigureOut">
               <a:rPr lang="en-US" smtClean="0"/>
-              <a:t>11/19/24</a:t>
+              <a:t>2/3/26</a:t>
             </a:fld>
             <a:endParaRPr lang="en-US"/>
           </a:p>
@@ -6107,7 +6107,7 @@
           <a:p>
             <a:fld id="{1181251C-4CE6-7E4F-AA1B-7F251BD1720E}" type="datetimeFigureOut">
               <a:rPr lang="en-US" smtClean="0"/>
-              <a:t>11/19/24</a:t>
+              <a:t>2/3/26</a:t>
             </a:fld>
             <a:endParaRPr lang="en-US"/>
           </a:p>
@@ -7010,7 +7010,7 @@
                 <a:ea typeface="+mn-ea"/>
                 <a:cs typeface="+mn-cs"/>
               </a:rPr>
-              <a:t>Measured Composite, Dynamic BAU</a:t>
+              <a:t>Measured Blended, Dynamic BAU</a:t>
             </a:r>
           </a:p>
         </p:txBody>
@@ -7414,7 +7414,83 @@
                 <a:ea typeface="+mn-ea"/>
                 <a:cs typeface="+mn-cs"/>
               </a:rPr>
-              <a:t>BAU: assumes common practice % BA removed and % harvest likelihood. Avg over 15 years</a:t>
+              <a:t>BAU: assumes common practice % BA removed </a:t>
+            </a:r>
+            <a:r>
+              <a:rPr kumimoji="0" lang="en-US" sz="1600" b="0" i="0" u="none" strike="noStrike" kern="1200" cap="none" spc="0" normalizeH="0" baseline="0" noProof="0">
+                <a:ln>
+                  <a:noFill/>
+                </a:ln>
+                <a:solidFill>
+                  <a:srgbClr val="C19859">
+                    <a:lumMod val="75000"/>
+                  </a:srgbClr>
+                </a:solidFill>
+                <a:effectLst/>
+                <a:uLnTx/>
+                <a:uFillTx/>
+                <a:latin typeface="Aptos" panose="02110004020202020204"/>
+                <a:ea typeface="+mn-ea"/>
+                <a:cs typeface="+mn-cs"/>
+              </a:rPr>
+              <a:t>and </a:t>
+            </a:r>
+          </a:p>
+          <a:p>
+            <a:pPr marL="0" marR="0" lvl="0" indent="0" algn="ctr" defTabSz="914400" rtl="0" eaLnBrk="1" fontAlgn="auto" latinLnBrk="0" hangingPunct="1">
+              <a:lnSpc>
+                <a:spcPct val="100000"/>
+              </a:lnSpc>
+              <a:spcBef>
+                <a:spcPts val="0"/>
+              </a:spcBef>
+              <a:spcAft>
+                <a:spcPts val="0"/>
+              </a:spcAft>
+              <a:buClrTx/>
+              <a:buSzTx/>
+              <a:buFontTx/>
+              <a:buNone/>
+              <a:tabLst/>
+              <a:defRPr/>
+            </a:pPr>
+            <a:r>
+              <a:rPr kumimoji="0" lang="en-US" sz="1600" b="0" i="0" u="none" strike="noStrike" kern="1200" cap="none" spc="0" normalizeH="0" baseline="0" noProof="0">
+                <a:ln>
+                  <a:noFill/>
+                </a:ln>
+                <a:solidFill>
+                  <a:srgbClr val="C19859">
+                    <a:lumMod val="75000"/>
+                  </a:srgbClr>
+                </a:solidFill>
+                <a:effectLst/>
+                <a:uLnTx/>
+                <a:uFillTx/>
+                <a:latin typeface="Aptos" panose="02110004020202020204"/>
+                <a:ea typeface="+mn-ea"/>
+                <a:cs typeface="+mn-cs"/>
+              </a:rPr>
+              <a:t>% </a:t>
+            </a:r>
+            <a:r>
+              <a:rPr kumimoji="0" lang="en-US" sz="1600" b="0" i="0" u="none" strike="noStrike" kern="1200" cap="none" spc="0" normalizeH="0" baseline="0" noProof="0" dirty="0">
+                <a:ln>
+                  <a:noFill/>
+                </a:ln>
+                <a:solidFill>
+                  <a:srgbClr val="C19859">
+                    <a:lumMod val="75000"/>
+                  </a:srgbClr>
+                </a:solidFill>
+                <a:effectLst/>
+                <a:uLnTx/>
+                <a:uFillTx/>
+                <a:latin typeface="Aptos" panose="02110004020202020204"/>
+                <a:ea typeface="+mn-ea"/>
+                <a:cs typeface="+mn-cs"/>
+              </a:rPr>
+              <a:t>harvest likelihood. Avg over 15 years</a:t>
             </a:r>
           </a:p>
         </p:txBody>
@@ -8231,8 +8307,8 @@
         </p:nvSpPr>
         <p:spPr>
           <a:xfrm>
-            <a:off x="4511665" y="1024918"/>
-            <a:ext cx="1811146" cy="519351"/>
+            <a:off x="4704708" y="1023185"/>
+            <a:ext cx="1425059" cy="519351"/>
           </a:xfrm>
           <a:prstGeom prst="ellipse">
             <a:avLst/>
@@ -8256,7 +8332,7 @@
                   <a:srgbClr val="C00000"/>
                 </a:solidFill>
               </a:rPr>
-              <a:t>Composite</a:t>
+              <a:t>Blended</a:t>
             </a:r>
           </a:p>
         </p:txBody>
